--- a/predstavitve/PR2021-22_vmesna_01.pptx
+++ b/predstavitve/PR2021-22_vmesna_01.pptx
@@ -5265,10 +5265,10 @@
       </p:pic>
       <p:pic>
         <p:nvPicPr>
-          <p:cNvPr id="15" name="Slika 14">
+          <p:cNvPr id="18" name="Slika 17">
             <a:extLst>
               <a:ext uri="{FF2B5EF4-FFF2-40B4-BE49-F238E27FC236}">
-                <a16:creationId xmlns:a16="http://schemas.microsoft.com/office/drawing/2014/main" id="{258B0A95-3AA2-47AB-9D47-C6BB1CD49AAC}"/>
+                <a16:creationId xmlns:a16="http://schemas.microsoft.com/office/drawing/2014/main" id="{243ACE05-DD67-4C65-887D-7962B1E666C1}"/>
               </a:ext>
             </a:extLst>
           </p:cNvPr>
@@ -5285,8 +5285,8 @@
         </p:blipFill>
         <p:spPr>
           <a:xfrm>
-            <a:off x="4580868" y="2653882"/>
-            <a:ext cx="3754164" cy="2320136"/>
+            <a:off x="4502566" y="2571750"/>
+            <a:ext cx="3821945" cy="2359357"/>
           </a:xfrm>
           <a:prstGeom prst="rect">
             <a:avLst/>
